--- a/presentation/PPT.pptx
+++ b/presentation/PPT.pptx
@@ -5943,7 +5943,7 @@
           <a:p>
             <a:fld id="{D4C5657C-E099-457B-9105-A54A42793778}" type="datetime1">
               <a:rPr lang="en-US" altLang="zh-CN" smtClean="0"/>
-              <a:t>7/28/2022</a:t>
+              <a:t>7/29/2022</a:t>
             </a:fld>
             <a:endParaRPr lang="zh-CN" altLang="en-US"/>
           </a:p>
@@ -6112,7 +6112,7 @@
           <a:p>
             <a:fld id="{5CFE5239-F2DD-4C97-9EBF-58CA499DB2A3}" type="datetime1">
               <a:rPr lang="en-US" altLang="zh-CN" smtClean="0"/>
-              <a:t>7/28/2022</a:t>
+              <a:t>7/29/2022</a:t>
             </a:fld>
             <a:endParaRPr lang="en-US"/>
           </a:p>
@@ -9303,7 +9303,7 @@
           <a:p>
             <a:fld id="{C764DE79-268F-4C1A-8933-263129D2AF90}" type="datetimeFigureOut">
               <a:rPr lang="en-US" smtClean="0"/>
-              <a:t>7/28/2022</a:t>
+              <a:t>7/29/2022</a:t>
             </a:fld>
             <a:endParaRPr lang="en-US" dirty="0"/>
           </a:p>
@@ -9474,7 +9474,7 @@
           <a:p>
             <a:fld id="{C764DE79-268F-4C1A-8933-263129D2AF90}" type="datetimeFigureOut">
               <a:rPr lang="en-US" smtClean="0"/>
-              <a:t>7/28/2022</a:t>
+              <a:t>7/29/2022</a:t>
             </a:fld>
             <a:endParaRPr lang="en-US" dirty="0"/>
           </a:p>
@@ -9655,7 +9655,7 @@
           <a:p>
             <a:fld id="{C764DE79-268F-4C1A-8933-263129D2AF90}" type="datetimeFigureOut">
               <a:rPr lang="en-US" smtClean="0"/>
-              <a:t>7/28/2022</a:t>
+              <a:t>7/29/2022</a:t>
             </a:fld>
             <a:endParaRPr lang="en-US" dirty="0"/>
           </a:p>
@@ -10243,7 +10243,7 @@
           <a:p>
             <a:fld id="{C764DE79-268F-4C1A-8933-263129D2AF90}" type="datetimeFigureOut">
               <a:rPr lang="en-US" smtClean="0"/>
-              <a:t>7/28/2022</a:t>
+              <a:t>7/29/2022</a:t>
             </a:fld>
             <a:endParaRPr lang="en-US" dirty="0"/>
           </a:p>
@@ -10476,7 +10476,7 @@
           <a:p>
             <a:fld id="{C764DE79-268F-4C1A-8933-263129D2AF90}" type="datetimeFigureOut">
               <a:rPr lang="en-US" smtClean="0"/>
-              <a:t>7/28/2022</a:t>
+              <a:t>7/29/2022</a:t>
             </a:fld>
             <a:endParaRPr lang="en-US" dirty="0"/>
           </a:p>
@@ -10844,7 +10844,7 @@
           <a:p>
             <a:fld id="{C764DE79-268F-4C1A-8933-263129D2AF90}" type="datetimeFigureOut">
               <a:rPr lang="en-US" smtClean="0"/>
-              <a:t>7/28/2022</a:t>
+              <a:t>7/29/2022</a:t>
             </a:fld>
             <a:endParaRPr lang="en-US" dirty="0"/>
           </a:p>
@@ -10963,7 +10963,7 @@
           <a:p>
             <a:fld id="{C764DE79-268F-4C1A-8933-263129D2AF90}" type="datetimeFigureOut">
               <a:rPr lang="en-US" smtClean="0"/>
-              <a:t>7/28/2022</a:t>
+              <a:t>7/29/2022</a:t>
             </a:fld>
             <a:endParaRPr lang="en-US" dirty="0"/>
           </a:p>
@@ -11059,7 +11059,7 @@
           <a:p>
             <a:fld id="{C764DE79-268F-4C1A-8933-263129D2AF90}" type="datetimeFigureOut">
               <a:rPr lang="en-US" smtClean="0"/>
-              <a:t>7/28/2022</a:t>
+              <a:t>7/29/2022</a:t>
             </a:fld>
             <a:endParaRPr lang="en-US" dirty="0"/>
           </a:p>
@@ -11337,7 +11337,7 @@
           <a:p>
             <a:fld id="{C764DE79-268F-4C1A-8933-263129D2AF90}" type="datetimeFigureOut">
               <a:rPr lang="en-US" smtClean="0"/>
-              <a:t>7/28/2022</a:t>
+              <a:t>7/29/2022</a:t>
             </a:fld>
             <a:endParaRPr lang="en-US" dirty="0"/>
           </a:p>
@@ -11595,7 +11595,7 @@
           <a:p>
             <a:fld id="{C764DE79-268F-4C1A-8933-263129D2AF90}" type="datetimeFigureOut">
               <a:rPr lang="en-US" smtClean="0"/>
-              <a:t>7/28/2022</a:t>
+              <a:t>7/29/2022</a:t>
             </a:fld>
             <a:endParaRPr lang="en-US" dirty="0"/>
           </a:p>
@@ -11814,7 +11814,7 @@
           <a:p>
             <a:fld id="{C764DE79-268F-4C1A-8933-263129D2AF90}" type="datetimeFigureOut">
               <a:rPr lang="en-US" smtClean="0"/>
-              <a:t>7/28/2022</a:t>
+              <a:t>7/29/2022</a:t>
             </a:fld>
             <a:endParaRPr lang="en-US" dirty="0"/>
           </a:p>
@@ -30113,7 +30113,7 @@
           <a:lstStyle/>
           <a:p>
             <a:r>
-              <a:rPr lang="zh-CN" altLang="en-US" sz="1600">
+              <a:rPr lang="zh-CN" altLang="en-US" sz="1600" dirty="0">
                 <a:latin typeface="楷体" panose="02010609060101010101" pitchFamily="49" charset="-122"/>
                 <a:ea typeface="楷体" panose="02010609060101010101" pitchFamily="49" charset="-122"/>
               </a:rPr>
@@ -41183,17 +41183,17 @@
           <a:p>
             <a:pPr algn="ctr"/>
             <a:r>
-              <a:rPr lang="zh-CN" altLang="en-US" b="1">
+              <a:rPr lang="zh-CN" altLang="en-US" b="1" dirty="0">
                 <a:solidFill>
                   <a:schemeClr val="bg2">
                     <a:lumMod val="10000"/>
                   </a:schemeClr>
                 </a:solidFill>
               </a:rPr>
-              <a:t>传统算法： </a:t>
+              <a:t>上采样算法： </a:t>
             </a:r>
             <a:r>
-              <a:rPr lang="en-US" altLang="zh-CN" b="1">
+              <a:rPr lang="en-US" altLang="zh-CN" b="1" dirty="0">
                 <a:solidFill>
                   <a:schemeClr val="bg2">
                     <a:lumMod val="10000"/>
@@ -41203,7 +41203,7 @@
               <a:t>Bicubic </a:t>
             </a:r>
             <a:r>
-              <a:rPr lang="zh-CN" altLang="en-US" b="1">
+              <a:rPr lang="zh-CN" altLang="en-US" b="1" dirty="0">
                 <a:solidFill>
                   <a:schemeClr val="bg2">
                     <a:lumMod val="10000"/>
@@ -41213,7 +41213,7 @@
               <a:t>和 </a:t>
             </a:r>
             <a:r>
-              <a:rPr lang="en-US" altLang="zh-CN" b="1">
+              <a:rPr lang="en-US" altLang="zh-CN" b="1" dirty="0">
                 <a:solidFill>
                   <a:schemeClr val="bg2">
                     <a:lumMod val="10000"/>
@@ -41222,7 +41222,7 @@
               </a:rPr>
               <a:t>RAISR</a:t>
             </a:r>
-            <a:endParaRPr lang="zh-CN" altLang="en-US" b="1">
+            <a:endParaRPr lang="zh-CN" altLang="en-US" b="1" dirty="0">
               <a:solidFill>
                 <a:schemeClr val="bg2">
                   <a:lumMod val="10000"/>
@@ -41246,8 +41246,8 @@
         </p:nvSpPr>
         <p:spPr>
           <a:xfrm>
-            <a:off x="226810" y="1019087"/>
-            <a:ext cx="7377270" cy="2077492"/>
+            <a:off x="181645" y="1323779"/>
+            <a:ext cx="7377270" cy="784830"/>
           </a:xfrm>
           <a:prstGeom prst="rect">
             <a:avLst/>
@@ -41262,7 +41262,7 @@
           <a:p>
             <a:pPr fontAlgn="ctr"/>
             <a:r>
-              <a:rPr lang="en-US" altLang="zh-CN" sz="2400">
+              <a:rPr lang="en-US" altLang="zh-CN" sz="2400" dirty="0">
                 <a:solidFill>
                   <a:srgbClr val="FF0000"/>
                 </a:solidFill>
@@ -41272,61 +41272,61 @@
               <a:t>Bicubic</a:t>
             </a:r>
             <a:r>
-              <a:rPr lang="zh-CN" altLang="en-US" sz="2100">
+              <a:rPr lang="zh-CN" altLang="en-US" sz="2100" dirty="0">
                 <a:latin typeface="黑体" panose="02010609060101010101" pitchFamily="49" charset="-122"/>
                 <a:ea typeface="黑体" panose="02010609060101010101" pitchFamily="49" charset="-122"/>
               </a:rPr>
               <a:t> </a:t>
             </a:r>
-            <a:endParaRPr lang="en-US" altLang="zh-CN" sz="2100">
+            <a:endParaRPr lang="en-US" altLang="zh-CN" sz="2100" dirty="0">
               <a:latin typeface="黑体" panose="02010609060101010101" pitchFamily="49" charset="-122"/>
               <a:ea typeface="黑体" panose="02010609060101010101" pitchFamily="49" charset="-122"/>
             </a:endParaRPr>
           </a:p>
           <a:p>
-            <a:pPr fontAlgn="ctr"/>
+            <a:pPr marL="342900" indent="-342900" fontAlgn="ctr">
+              <a:buFont typeface="Arial" panose="020B0604020202020204" pitchFamily="34" charset="0"/>
+              <a:buChar char="•"/>
+            </a:pPr>
             <a:r>
-              <a:rPr lang="en-US" altLang="zh-CN" sz="2100">
+              <a:rPr lang="zh-CN" altLang="en-US" sz="2100" dirty="0">
                 <a:latin typeface="黑体" panose="02010609060101010101" pitchFamily="49" charset="-122"/>
                 <a:ea typeface="黑体" panose="02010609060101010101" pitchFamily="49" charset="-122"/>
               </a:rPr>
-              <a:t>	</a:t>
+              <a:t>参考周围 </a:t>
             </a:r>
             <a:r>
-              <a:rPr lang="zh-CN" altLang="en-US" sz="2100">
-                <a:latin typeface="黑体" panose="02010609060101010101" pitchFamily="49" charset="-122"/>
-                <a:ea typeface="黑体" panose="02010609060101010101" pitchFamily="49" charset="-122"/>
-              </a:rPr>
-              <a:t>（双三次插值）是二维空间中最常用的插值算法，是三次插值的一个拓展。而在图像处理中，双三次插值算法更是首选。双三次插值需要参考周围 </a:t>
-            </a:r>
-            <a:r>
-              <a:rPr lang="en-US" altLang="zh-CN" sz="2100">
+              <a:rPr lang="en-US" altLang="zh-CN" sz="2100" dirty="0">
                 <a:latin typeface="黑体" panose="02010609060101010101" pitchFamily="49" charset="-122"/>
                 <a:ea typeface="黑体" panose="02010609060101010101" pitchFamily="49" charset="-122"/>
               </a:rPr>
               <a:t>16 </a:t>
             </a:r>
             <a:r>
-              <a:rPr lang="zh-CN" altLang="en-US" sz="2100">
+              <a:rPr lang="zh-CN" altLang="en-US" sz="2100" dirty="0">
                 <a:latin typeface="黑体" panose="02010609060101010101" pitchFamily="49" charset="-122"/>
                 <a:ea typeface="黑体" panose="02010609060101010101" pitchFamily="49" charset="-122"/>
               </a:rPr>
               <a:t>个像素</a:t>
             </a:r>
             <a:r>
-              <a:rPr lang="en-US" altLang="zh-CN" sz="2100">
+              <a:rPr lang="en-US" altLang="zh-CN" sz="2100" dirty="0">
                 <a:latin typeface="黑体" panose="02010609060101010101" pitchFamily="49" charset="-122"/>
                 <a:ea typeface="黑体" panose="02010609060101010101" pitchFamily="49" charset="-122"/>
               </a:rPr>
               <a:t>(4 × 4)</a:t>
             </a:r>
             <a:r>
-              <a:rPr lang="zh-CN" altLang="en-US" sz="2100">
+              <a:rPr lang="zh-CN" altLang="en-US" sz="2100" dirty="0">
                 <a:latin typeface="黑体" panose="02010609060101010101" pitchFamily="49" charset="-122"/>
                 <a:ea typeface="黑体" panose="02010609060101010101" pitchFamily="49" charset="-122"/>
               </a:rPr>
-              <a:t>进行上采样，所得到的上采样图像会比最近邻插值和双线性插值更平滑，同时插值造成的伪影也更少。</a:t>
+              <a:t>进行上采样</a:t>
             </a:r>
+            <a:endParaRPr lang="en-US" altLang="zh-CN" sz="2100" dirty="0">
+              <a:latin typeface="黑体" panose="02010609060101010101" pitchFamily="49" charset="-122"/>
+              <a:ea typeface="黑体" panose="02010609060101010101" pitchFamily="49" charset="-122"/>
+            </a:endParaRPr>
           </a:p>
         </p:txBody>
       </p:sp>
@@ -41344,8 +41344,8 @@
         </p:nvSpPr>
         <p:spPr>
           <a:xfrm>
-            <a:off x="181645" y="3099552"/>
-            <a:ext cx="6971630" cy="3416320"/>
+            <a:off x="181645" y="2687634"/>
+            <a:ext cx="6971630" cy="2954655"/>
           </a:xfrm>
           <a:prstGeom prst="rect">
             <a:avLst/>
@@ -41360,7 +41360,7 @@
           <a:p>
             <a:pPr fontAlgn="ctr"/>
             <a:r>
-              <a:rPr lang="en-US" altLang="zh-CN" sz="2400">
+              <a:rPr lang="en-US" altLang="zh-CN" sz="2400" dirty="0">
                 <a:solidFill>
                   <a:srgbClr val="FF0000"/>
                 </a:solidFill>
@@ -41371,106 +41371,151 @@
             </a:r>
           </a:p>
           <a:p>
-            <a:pPr fontAlgn="ctr"/>
+            <a:pPr marL="342900" indent="-342900" fontAlgn="ctr">
+              <a:lnSpc>
+                <a:spcPct val="150000"/>
+              </a:lnSpc>
+              <a:buFont typeface="Arial" panose="020B0604020202020204" pitchFamily="34" charset="0"/>
+              <a:buChar char="•"/>
+            </a:pPr>
             <a:r>
-              <a:rPr lang="en-US" altLang="zh-CN" sz="2400">
-                <a:latin typeface="微软雅黑" panose="020B0503020204020204" pitchFamily="34" charset="-122"/>
-                <a:ea typeface="微软雅黑" panose="020B0503020204020204" pitchFamily="34" charset="-122"/>
-              </a:rPr>
-              <a:t>	</a:t>
-            </a:r>
-            <a:r>
-              <a:rPr lang="zh-CN" altLang="en-US" sz="2100">
+              <a:rPr lang="zh-CN" altLang="en-US" sz="2100" dirty="0">
                 <a:latin typeface="黑体" panose="02010609060101010101" pitchFamily="49" charset="-122"/>
                 <a:ea typeface="黑体" panose="02010609060101010101" pitchFamily="49" charset="-122"/>
               </a:rPr>
-              <a:t>一种基于样本学习的超分辨率算法。</a:t>
+              <a:t>一种基于样本学习的超分辨率算法</a:t>
             </a:r>
+            <a:endParaRPr lang="en-US" altLang="zh-CN" sz="2100" dirty="0">
+              <a:latin typeface="黑体" panose="02010609060101010101" pitchFamily="49" charset="-122"/>
+              <a:ea typeface="黑体" panose="02010609060101010101" pitchFamily="49" charset="-122"/>
+            </a:endParaRPr>
+          </a:p>
+          <a:p>
+            <a:pPr marL="342900" indent="-342900" fontAlgn="ctr">
+              <a:lnSpc>
+                <a:spcPct val="150000"/>
+              </a:lnSpc>
+              <a:buFont typeface="Arial" panose="020B0604020202020204" pitchFamily="34" charset="0"/>
+              <a:buChar char="•"/>
+            </a:pPr>
             <a:r>
-              <a:rPr lang="en-US" altLang="zh-CN" sz="2100">
+              <a:rPr lang="zh-CN" altLang="en-US" sz="2100" dirty="0">
                 <a:latin typeface="黑体" panose="02010609060101010101" pitchFamily="49" charset="-122"/>
                 <a:ea typeface="黑体" panose="02010609060101010101" pitchFamily="49" charset="-122"/>
               </a:rPr>
-              <a:t>RAISR </a:t>
+              <a:t>简单的插值方式把 </a:t>
             </a:r>
             <a:r>
-              <a:rPr lang="zh-CN" altLang="en-US" sz="2100">
-                <a:latin typeface="黑体" panose="02010609060101010101" pitchFamily="49" charset="-122"/>
-                <a:ea typeface="黑体" panose="02010609060101010101" pitchFamily="49" charset="-122"/>
-              </a:rPr>
-              <a:t>主要的特点是快速、准确，在运行速度上比基于深度学习的方法有大幅提升，同时保持了具有竞争力的图像重建质量。其核心思想是通过简单的插值方式把 </a:t>
-            </a:r>
-            <a:r>
-              <a:rPr lang="en-US" altLang="zh-CN" sz="2100">
+              <a:rPr lang="en-US" altLang="zh-CN" sz="2100" dirty="0">
                 <a:latin typeface="黑体" panose="02010609060101010101" pitchFamily="49" charset="-122"/>
                 <a:ea typeface="黑体" panose="02010609060101010101" pitchFamily="49" charset="-122"/>
               </a:rPr>
               <a:t>LR </a:t>
             </a:r>
             <a:r>
-              <a:rPr lang="zh-CN" altLang="en-US" sz="2100">
+              <a:rPr lang="zh-CN" altLang="en-US" sz="2100" dirty="0">
                 <a:latin typeface="黑体" panose="02010609060101010101" pitchFamily="49" charset="-122"/>
                 <a:ea typeface="黑体" panose="02010609060101010101" pitchFamily="49" charset="-122"/>
               </a:rPr>
               <a:t>图像转化成 </a:t>
             </a:r>
             <a:r>
-              <a:rPr lang="en-US" altLang="zh-CN" sz="2100">
+              <a:rPr lang="en-US" altLang="zh-CN" sz="2100" dirty="0">
                 <a:latin typeface="黑体" panose="02010609060101010101" pitchFamily="49" charset="-122"/>
                 <a:ea typeface="黑体" panose="02010609060101010101" pitchFamily="49" charset="-122"/>
               </a:rPr>
               <a:t>Pre-HR </a:t>
             </a:r>
             <a:r>
-              <a:rPr lang="zh-CN" altLang="en-US" sz="2100">
+              <a:rPr lang="zh-CN" altLang="en-US" sz="2100" dirty="0">
                 <a:latin typeface="黑体" panose="02010609060101010101" pitchFamily="49" charset="-122"/>
                 <a:ea typeface="黑体" panose="02010609060101010101" pitchFamily="49" charset="-122"/>
               </a:rPr>
-              <a:t>图像，然后根据 </a:t>
+              <a:t>图像</a:t>
+            </a:r>
+            <a:endParaRPr lang="en-US" altLang="zh-CN" sz="2100" dirty="0">
+              <a:latin typeface="黑体" panose="02010609060101010101" pitchFamily="49" charset="-122"/>
+              <a:ea typeface="黑体" panose="02010609060101010101" pitchFamily="49" charset="-122"/>
+            </a:endParaRPr>
+          </a:p>
+          <a:p>
+            <a:pPr marL="342900" indent="-342900" fontAlgn="ctr">
+              <a:lnSpc>
+                <a:spcPct val="150000"/>
+              </a:lnSpc>
+              <a:buFont typeface="Arial" panose="020B0604020202020204" pitchFamily="34" charset="0"/>
+              <a:buChar char="•"/>
+            </a:pPr>
+            <a:r>
+              <a:rPr lang="zh-CN" altLang="en-US" sz="2100" dirty="0">
+                <a:latin typeface="黑体" panose="02010609060101010101" pitchFamily="49" charset="-122"/>
+                <a:ea typeface="黑体" panose="02010609060101010101" pitchFamily="49" charset="-122"/>
+              </a:rPr>
+              <a:t>根据 </a:t>
             </a:r>
             <a:r>
-              <a:rPr lang="en-US" altLang="zh-CN" sz="2100">
+              <a:rPr lang="en-US" altLang="zh-CN" sz="2100" dirty="0">
                 <a:latin typeface="黑体" panose="02010609060101010101" pitchFamily="49" charset="-122"/>
                 <a:ea typeface="黑体" panose="02010609060101010101" pitchFamily="49" charset="-122"/>
               </a:rPr>
               <a:t>Pre-HR </a:t>
             </a:r>
             <a:r>
-              <a:rPr lang="zh-CN" altLang="en-US" sz="2100">
+              <a:rPr lang="zh-CN" altLang="en-US" sz="2100" dirty="0">
                 <a:latin typeface="黑体" panose="02010609060101010101" pitchFamily="49" charset="-122"/>
                 <a:ea typeface="黑体" panose="02010609060101010101" pitchFamily="49" charset="-122"/>
               </a:rPr>
-              <a:t>图像局部的梯度信息来对图像块进行分类，对于不同类别的图像块对应采用不同的与训练的滤波器进行卷积操作对图像纹理进行增强。在足够的训练数据下，通过学习一组滤波器建立成对的 </a:t>
+              <a:t>图像局部的梯度信息来对图像块进行分类</a:t>
             </a:r>
+            <a:endParaRPr lang="en-US" altLang="zh-CN" sz="2100" dirty="0">
+              <a:latin typeface="黑体" panose="02010609060101010101" pitchFamily="49" charset="-122"/>
+              <a:ea typeface="黑体" panose="02010609060101010101" pitchFamily="49" charset="-122"/>
+            </a:endParaRPr>
+          </a:p>
+          <a:p>
+            <a:pPr marL="342900" indent="-342900" fontAlgn="ctr">
+              <a:lnSpc>
+                <a:spcPct val="150000"/>
+              </a:lnSpc>
+              <a:buFont typeface="Arial" panose="020B0604020202020204" pitchFamily="34" charset="0"/>
+              <a:buChar char="•"/>
+            </a:pPr>
             <a:r>
-              <a:rPr lang="en-US" altLang="zh-CN" sz="2100">
+              <a:rPr lang="zh-CN" altLang="en-US" sz="2100" dirty="0">
                 <a:latin typeface="黑体" panose="02010609060101010101" pitchFamily="49" charset="-122"/>
                 <a:ea typeface="黑体" panose="02010609060101010101" pitchFamily="49" charset="-122"/>
               </a:rPr>
-              <a:t>LR patch</a:t>
+              <a:t>学习一组滤波器建立成对的 </a:t>
             </a:r>
             <a:r>
-              <a:rPr lang="zh-CN" altLang="en-US" sz="2100">
+              <a:rPr lang="en-US" altLang="zh-CN" sz="2100" dirty="0">
+                <a:latin typeface="黑体" panose="02010609060101010101" pitchFamily="49" charset="-122"/>
+                <a:ea typeface="黑体" panose="02010609060101010101" pitchFamily="49" charset="-122"/>
+              </a:rPr>
+              <a:t>LR patch </a:t>
+            </a:r>
+            <a:r>
+              <a:rPr lang="zh-CN" altLang="en-US" sz="2100" dirty="0">
                 <a:latin typeface="黑体" panose="02010609060101010101" pitchFamily="49" charset="-122"/>
                 <a:ea typeface="黑体" panose="02010609060101010101" pitchFamily="49" charset="-122"/>
               </a:rPr>
               <a:t>与 </a:t>
             </a:r>
             <a:r>
-              <a:rPr lang="en-US" altLang="zh-CN" sz="2100">
+              <a:rPr lang="en-US" altLang="zh-CN" sz="2100" dirty="0">
                 <a:latin typeface="黑体" panose="02010609060101010101" pitchFamily="49" charset="-122"/>
                 <a:ea typeface="黑体" panose="02010609060101010101" pitchFamily="49" charset="-122"/>
               </a:rPr>
               <a:t>HR </a:t>
             </a:r>
             <a:r>
-              <a:rPr lang="zh-CN" altLang="en-US" sz="2100">
+              <a:rPr lang="zh-CN" altLang="en-US" sz="2100" dirty="0">
                 <a:latin typeface="黑体" panose="02010609060101010101" pitchFamily="49" charset="-122"/>
                 <a:ea typeface="黑体" panose="02010609060101010101" pitchFamily="49" charset="-122"/>
               </a:rPr>
-              <a:t>像素的映射关系。</a:t>
+              <a:t>像素的映射关系</a:t>
             </a:r>
-            <a:endParaRPr lang="zh-CN" altLang="en-US" sz="2400">
+            <a:endParaRPr lang="zh-CN" altLang="en-US" sz="2400" dirty="0">
               <a:latin typeface="微软雅黑" panose="020B0503020204020204" pitchFamily="34" charset="-122"/>
               <a:ea typeface="微软雅黑" panose="020B0503020204020204" pitchFamily="34" charset="-122"/>
             </a:endParaRPr>
@@ -41699,6 +41744,36 @@
           </p:txBody>
         </p:sp>
       </p:grpSp>
+      <p:pic>
+        <p:nvPicPr>
+          <p:cNvPr id="3" name="图片 2">
+            <a:extLst>
+              <a:ext uri="{FF2B5EF4-FFF2-40B4-BE49-F238E27FC236}">
+                <a16:creationId xmlns:a16="http://schemas.microsoft.com/office/drawing/2014/main" id="{344913D5-E26B-4C4B-BCF6-CF2A1559F6A7}"/>
+              </a:ext>
+            </a:extLst>
+          </p:cNvPr>
+          <p:cNvPicPr>
+            <a:picLocks noChangeAspect="1"/>
+          </p:cNvPicPr>
+          <p:nvPr/>
+        </p:nvPicPr>
+        <p:blipFill>
+          <a:blip r:embed="rId6"/>
+          <a:stretch>
+            <a:fillRect/>
+          </a:stretch>
+        </p:blipFill>
+        <p:spPr>
+          <a:xfrm>
+            <a:off x="4946234" y="2801452"/>
+            <a:ext cx="2657846" cy="847843"/>
+          </a:xfrm>
+          <a:prstGeom prst="rect">
+            <a:avLst/>
+          </a:prstGeom>
+        </p:spPr>
+      </p:pic>
     </p:spTree>
     <p:custDataLst>
       <p:tags r:id="rId1"/>
@@ -44139,8 +44214,8 @@
         </p:nvSpPr>
         <p:spPr>
           <a:xfrm>
-            <a:off x="323067" y="1446083"/>
-            <a:ext cx="9914442" cy="3185487"/>
+            <a:off x="291353" y="1886658"/>
+            <a:ext cx="9914442" cy="2169825"/>
           </a:xfrm>
           <a:prstGeom prst="rect">
             <a:avLst/>
@@ -44167,19 +44242,15 @@
             </a:lvl1pPr>
           </a:lstStyle>
           <a:p>
-            <a:pPr fontAlgn="ctr"/>
+            <a:pPr marL="285750" indent="-285750" fontAlgn="ctr">
+              <a:lnSpc>
+                <a:spcPct val="150000"/>
+              </a:lnSpc>
+              <a:buFont typeface="Arial" panose="020B0604020202020204" pitchFamily="34" charset="0"/>
+              <a:buChar char="•"/>
+            </a:pPr>
             <a:r>
-              <a:rPr lang="en-US" altLang="zh-CN" sz="1800" b="1" i="0">
-                <a:solidFill>
-                  <a:srgbClr val="000000"/>
-                </a:solidFill>
-                <a:effectLst/>
-                <a:latin typeface="CMBX12"/>
-              </a:rPr>
-              <a:t>LBP-RAISR </a:t>
-            </a:r>
-            <a:r>
-              <a:rPr lang="zh-CN" altLang="en-US" sz="1800" b="0" i="0">
+              <a:rPr lang="zh-CN" altLang="en-US" sz="1800" b="0" i="0" dirty="0">
                 <a:solidFill>
                   <a:srgbClr val="000000"/>
                 </a:solidFill>
@@ -44187,10 +44258,10 @@
                 <a:latin typeface="SimSun" panose="02010600030101010101" pitchFamily="2" charset="-122"/>
                 <a:ea typeface="SimSun" panose="02010600030101010101" pitchFamily="2" charset="-122"/>
               </a:rPr>
-              <a:t>算法，以 </a:t>
+              <a:t>以 </a:t>
             </a:r>
             <a:r>
-              <a:rPr lang="en-US" altLang="zh-CN" sz="1800" b="1" i="0">
+              <a:rPr lang="en-US" altLang="zh-CN" sz="1800" b="1" i="0" dirty="0">
                 <a:solidFill>
                   <a:srgbClr val="000000"/>
                 </a:solidFill>
@@ -44200,7 +44271,7 @@
               <a:t>RAISR </a:t>
             </a:r>
             <a:r>
-              <a:rPr lang="zh-CN" altLang="en-US" sz="1800" b="0" i="0">
+              <a:rPr lang="zh-CN" altLang="en-US" sz="1800" b="0" i="0" dirty="0">
                 <a:solidFill>
                   <a:srgbClr val="000000"/>
                 </a:solidFill>
@@ -44208,9 +44279,9 @@
                 <a:latin typeface="SimSun" panose="02010600030101010101" pitchFamily="2" charset="-122"/>
                 <a:ea typeface="SimSun" panose="02010600030101010101" pitchFamily="2" charset="-122"/>
               </a:rPr>
-              <a:t>为主体框架，整体上分为了三个阶段。</a:t>
+              <a:t>为主体框架，整体上分为了三个阶段：</a:t>
             </a:r>
-            <a:endParaRPr lang="en-US" altLang="zh-CN" sz="1800" b="0" i="0">
+            <a:endParaRPr lang="en-US" altLang="zh-CN" sz="1800" b="0" i="0" dirty="0">
               <a:solidFill>
                 <a:srgbClr val="000000"/>
               </a:solidFill>
@@ -44220,19 +44291,15 @@
             </a:endParaRPr>
           </a:p>
           <a:p>
-            <a:pPr fontAlgn="ctr"/>
+            <a:pPr marL="800100" lvl="1" indent="-342900" fontAlgn="ctr">
+              <a:lnSpc>
+                <a:spcPct val="150000"/>
+              </a:lnSpc>
+              <a:buFont typeface="+mj-lt"/>
+              <a:buAutoNum type="arabicPeriod"/>
+            </a:pPr>
             <a:r>
-              <a:rPr lang="zh-CN" altLang="en-US">
-                <a:solidFill>
-                  <a:srgbClr val="000000"/>
-                </a:solidFill>
-                <a:latin typeface="SimSun" panose="02010600030101010101" pitchFamily="2" charset="-122"/>
-                <a:ea typeface="SimSun" panose="02010600030101010101" pitchFamily="2" charset="-122"/>
-              </a:rPr>
-              <a:t>一、</a:t>
-            </a:r>
-            <a:r>
-              <a:rPr lang="zh-CN" altLang="en-US" sz="1800" b="0" i="0">
+              <a:rPr lang="zh-CN" altLang="en-US" b="0" i="0" dirty="0">
                 <a:solidFill>
                   <a:srgbClr val="000000"/>
                 </a:solidFill>
@@ -44240,20 +44307,19 @@
                 <a:latin typeface="SimSun" panose="02010600030101010101" pitchFamily="2" charset="-122"/>
                 <a:ea typeface="SimSun" panose="02010600030101010101" pitchFamily="2" charset="-122"/>
               </a:rPr>
-              <a:t>通过双三次插值算法，将 </a:t>
+              <a:t>使用 </a:t>
             </a:r>
             <a:r>
-              <a:rPr lang="en-US" altLang="zh-CN" sz="1800" b="0" i="0">
+              <a:rPr lang="en-US" altLang="zh-CN" dirty="0">
                 <a:solidFill>
                   <a:srgbClr val="000000"/>
                 </a:solidFill>
-                <a:effectLst/>
                 <a:latin typeface="CMR12"/>
               </a:rPr>
-              <a:t>LR </a:t>
+              <a:t>Bicubic</a:t>
             </a:r>
             <a:r>
-              <a:rPr lang="zh-CN" altLang="en-US" sz="1800" b="0" i="0">
+              <a:rPr lang="en-US" altLang="zh-CN" b="0" i="0" dirty="0">
                 <a:solidFill>
                   <a:srgbClr val="000000"/>
                 </a:solidFill>
@@ -44261,31 +44327,20 @@
                 <a:latin typeface="SimSun" panose="02010600030101010101" pitchFamily="2" charset="-122"/>
                 <a:ea typeface="SimSun" panose="02010600030101010101" pitchFamily="2" charset="-122"/>
               </a:rPr>
-              <a:t>图像映射到 </a:t>
+              <a:t> </a:t>
             </a:r>
             <a:r>
-              <a:rPr lang="en-US" altLang="zh-CN" sz="1800" b="0" i="0">
+              <a:rPr lang="zh-CN" altLang="en-US" dirty="0">
                 <a:solidFill>
                   <a:srgbClr val="000000"/>
                 </a:solidFill>
-                <a:effectLst/>
-                <a:latin typeface="CMR12"/>
-              </a:rPr>
-              <a:t>HR </a:t>
-            </a:r>
-            <a:r>
-              <a:rPr lang="zh-CN" altLang="en-US" sz="1800" b="0" i="0">
-                <a:solidFill>
-                  <a:srgbClr val="000000"/>
-                </a:solidFill>
-                <a:effectLst/>
                 <a:latin typeface="SimSun" panose="02010600030101010101" pitchFamily="2" charset="-122"/>
                 <a:ea typeface="SimSun" panose="02010600030101010101" pitchFamily="2" charset="-122"/>
               </a:rPr>
-              <a:t>图像上，得到最终需要的目的分辨率图像 </a:t>
+              <a:t>上采样得到 </a:t>
             </a:r>
             <a:r>
-              <a:rPr lang="en-US" altLang="zh-CN" sz="1800" b="0" i="0">
+              <a:rPr lang="en-US" altLang="zh-CN" b="0" i="0" dirty="0">
                 <a:solidFill>
                   <a:srgbClr val="000000"/>
                 </a:solidFill>
@@ -44295,7 +44350,7 @@
               <a:t>Pre-SR</a:t>
             </a:r>
             <a:r>
-              <a:rPr lang="zh-CN" altLang="en-US" sz="1800" b="0" i="0">
+              <a:rPr lang="zh-CN" altLang="en-US" b="0" i="0" dirty="0">
                 <a:solidFill>
                   <a:srgbClr val="000000"/>
                 </a:solidFill>
@@ -44305,40 +44360,24 @@
               </a:rPr>
               <a:t>；</a:t>
             </a:r>
-            <a:endParaRPr lang="en-US" altLang="zh-CN" sz="1800" b="0" i="0">
+            <a:endParaRPr lang="en-US" altLang="zh-CN" dirty="0">
               <a:solidFill>
                 <a:srgbClr val="000000"/>
               </a:solidFill>
-              <a:effectLst/>
               <a:latin typeface="SimSun" panose="02010600030101010101" pitchFamily="2" charset="-122"/>
               <a:ea typeface="SimSun" panose="02010600030101010101" pitchFamily="2" charset="-122"/>
             </a:endParaRPr>
           </a:p>
           <a:p>
-            <a:pPr fontAlgn="ctr"/>
-            <a:endParaRPr lang="en-US" altLang="zh-CN" sz="1800" b="0" i="0">
-              <a:solidFill>
-                <a:srgbClr val="000000"/>
-              </a:solidFill>
-              <a:effectLst/>
-              <a:latin typeface="SimSun" panose="02010600030101010101" pitchFamily="2" charset="-122"/>
-              <a:ea typeface="SimSun" panose="02010600030101010101" pitchFamily="2" charset="-122"/>
-            </a:endParaRPr>
-          </a:p>
-          <a:p>
-            <a:pPr fontAlgn="ctr"/>
+            <a:pPr marL="800100" lvl="1" indent="-342900" fontAlgn="ctr">
+              <a:lnSpc>
+                <a:spcPct val="150000"/>
+              </a:lnSpc>
+              <a:buFont typeface="+mj-lt"/>
+              <a:buAutoNum type="arabicPeriod"/>
+            </a:pPr>
             <a:r>
-              <a:rPr lang="zh-CN" altLang="en-US">
-                <a:solidFill>
-                  <a:srgbClr val="000000"/>
-                </a:solidFill>
-                <a:latin typeface="SimSun" panose="02010600030101010101" pitchFamily="2" charset="-122"/>
-                <a:ea typeface="SimSun" panose="02010600030101010101" pitchFamily="2" charset="-122"/>
-              </a:rPr>
-              <a:t>二、</a:t>
-            </a:r>
-            <a:r>
-              <a:rPr lang="zh-CN" altLang="en-US" sz="1800" b="0">
+              <a:rPr lang="zh-CN" altLang="en-US" sz="1800" b="0" dirty="0">
                 <a:solidFill>
                   <a:srgbClr val="000000"/>
                 </a:solidFill>
@@ -44349,7 +44388,7 @@
               <a:t>对图像以每个像素为中心进行 </a:t>
             </a:r>
             <a:r>
-              <a:rPr lang="en-US" altLang="zh-CN" sz="1800" b="0">
+              <a:rPr lang="en-US" altLang="zh-CN" sz="1800" b="0" dirty="0">
                 <a:solidFill>
                   <a:srgbClr val="000000"/>
                 </a:solidFill>
@@ -44359,7 +44398,7 @@
               <a:t>5</a:t>
             </a:r>
             <a:r>
-              <a:rPr lang="en-US" altLang="zh-CN">
+              <a:rPr lang="en-US" altLang="zh-CN" dirty="0">
                 <a:solidFill>
                   <a:srgbClr val="000000"/>
                 </a:solidFill>
@@ -44368,7 +44407,7 @@
               <a:t>×</a:t>
             </a:r>
             <a:r>
-              <a:rPr lang="en-US" altLang="zh-CN" sz="1800" b="0">
+              <a:rPr lang="en-US" altLang="zh-CN" sz="1800" b="0" dirty="0">
                 <a:solidFill>
                   <a:srgbClr val="000000"/>
                 </a:solidFill>
@@ -44378,7 +44417,7 @@
               <a:t>5 </a:t>
             </a:r>
             <a:r>
-              <a:rPr lang="zh-CN" altLang="en-US" sz="1800" b="0">
+              <a:rPr lang="zh-CN" altLang="en-US" sz="1800" b="0" dirty="0">
                 <a:solidFill>
                   <a:srgbClr val="000000"/>
                 </a:solidFill>
@@ -44386,31 +44425,10 @@
                 <a:latin typeface="SimSun" panose="02010600030101010101" pitchFamily="2" charset="-122"/>
                 <a:ea typeface="SimSun" panose="02010600030101010101" pitchFamily="2" charset="-122"/>
               </a:rPr>
-              <a:t>分块，遍历 </a:t>
+              <a:t>分块，进行 高斯</a:t>
             </a:r>
             <a:r>
-              <a:rPr lang="en-US" altLang="zh-CN" sz="1800" b="0">
-                <a:solidFill>
-                  <a:srgbClr val="000000"/>
-                </a:solidFill>
-                <a:effectLst/>
-                <a:latin typeface="CMR12"/>
-              </a:rPr>
-              <a:t>Pre-HR </a:t>
-            </a:r>
-            <a:r>
-              <a:rPr lang="zh-CN" altLang="en-US" sz="1800" b="0">
-                <a:solidFill>
-                  <a:srgbClr val="000000"/>
-                </a:solidFill>
-                <a:effectLst/>
-                <a:latin typeface="SimSun" panose="02010600030101010101" pitchFamily="2" charset="-122"/>
-                <a:ea typeface="SimSun" panose="02010600030101010101" pitchFamily="2" charset="-122"/>
-              </a:rPr>
-              <a:t>图像的每一个图像块，进行高斯</a:t>
-            </a:r>
-            <a:r>
-              <a:rPr lang="en-US" altLang="zh-CN" sz="1800" b="0">
+              <a:rPr lang="en-US" altLang="zh-CN" sz="1800" b="0" dirty="0">
                 <a:solidFill>
                   <a:srgbClr val="000000"/>
                 </a:solidFill>
@@ -44420,7 +44438,7 @@
               <a:t>-</a:t>
             </a:r>
             <a:r>
-              <a:rPr lang="zh-CN" altLang="en-US" sz="1800" b="0">
+              <a:rPr lang="zh-CN" altLang="en-US" sz="1800" b="0" dirty="0">
                 <a:solidFill>
                   <a:srgbClr val="000000"/>
                 </a:solidFill>
@@ -44431,17 +44449,47 @@
               <a:t>拉普拉斯</a:t>
             </a:r>
             <a:r>
-              <a:rPr lang="en-US" altLang="zh-CN" sz="1800" b="0">
+              <a:rPr lang="en-US" altLang="zh-CN" sz="1800" b="0" dirty="0">
                 <a:solidFill>
                   <a:srgbClr val="000000"/>
                 </a:solidFill>
                 <a:effectLst/>
                 <a:latin typeface="CMR12"/>
               </a:rPr>
-              <a:t>(LoG)</a:t>
+              <a:t>(</a:t>
             </a:r>
             <a:r>
-              <a:rPr lang="zh-CN" altLang="en-US" sz="1800" b="0">
+              <a:rPr lang="en-US" altLang="zh-CN" sz="1800" b="0" dirty="0" err="1">
+                <a:solidFill>
+                  <a:srgbClr val="000000"/>
+                </a:solidFill>
+                <a:effectLst/>
+                <a:latin typeface="CMR12"/>
+              </a:rPr>
+              <a:t>LoG</a:t>
+            </a:r>
+            <a:r>
+              <a:rPr lang="en-US" altLang="zh-CN" sz="1800" b="0" dirty="0">
+                <a:solidFill>
+                  <a:srgbClr val="000000"/>
+                </a:solidFill>
+                <a:effectLst/>
+                <a:latin typeface="CMR12"/>
+              </a:rPr>
+              <a:t>) </a:t>
+            </a:r>
+            <a:r>
+              <a:rPr lang="zh-CN" altLang="en-US" dirty="0">
+                <a:solidFill>
+                  <a:srgbClr val="000000"/>
+                </a:solidFill>
+                <a:latin typeface="SimSun" panose="02010600030101010101" pitchFamily="2" charset="-122"/>
+                <a:ea typeface="SimSun" panose="02010600030101010101" pitchFamily="2" charset="-122"/>
+              </a:rPr>
+              <a:t>卷积纹理检</a:t>
+            </a:r>
+            <a:r>
+              <a:rPr lang="zh-CN" altLang="en-US" sz="1800" b="0" dirty="0">
                 <a:solidFill>
                   <a:srgbClr val="000000"/>
                 </a:solidFill>
@@ -44449,20 +44497,20 @@
                 <a:latin typeface="SimSun" panose="02010600030101010101" pitchFamily="2" charset="-122"/>
                 <a:ea typeface="SimSun" panose="02010600030101010101" pitchFamily="2" charset="-122"/>
               </a:rPr>
-              <a:t>纹理检测后使用 </a:t>
+              <a:t>测后使用 </a:t>
             </a:r>
             <a:r>
-              <a:rPr lang="en-US" altLang="zh-CN" sz="1800" b="0">
+              <a:rPr lang="en-US" altLang="zh-CN" sz="1800" b="0" dirty="0">
                 <a:solidFill>
                   <a:srgbClr val="000000"/>
                 </a:solidFill>
                 <a:effectLst/>
                 <a:latin typeface="CMR12"/>
               </a:rPr>
-              <a:t>CLBP </a:t>
+              <a:t>CLBP + </a:t>
             </a:r>
             <a:r>
-              <a:rPr lang="zh-CN" altLang="en-US" sz="1800" b="0">
+              <a:rPr lang="zh-CN" altLang="en-US" sz="1800" b="0" dirty="0">
                 <a:solidFill>
                   <a:srgbClr val="000000"/>
                 </a:solidFill>
@@ -44470,51 +44518,19 @@
                 <a:latin typeface="SimSun" panose="02010600030101010101" pitchFamily="2" charset="-122"/>
                 <a:ea typeface="SimSun" panose="02010600030101010101" pitchFamily="2" charset="-122"/>
               </a:rPr>
-              <a:t>算法结合角度信息求解进行纹理分类。显而易见，这里我们的设计与 </a:t>
+              <a:t>角度信息求解进行纹理分类</a:t>
             </a:r>
             <a:r>
-              <a:rPr lang="en-US" altLang="zh-CN" sz="1800" b="1">
+              <a:rPr lang="zh-CN" altLang="en-US" dirty="0">
                 <a:solidFill>
                   <a:srgbClr val="000000"/>
                 </a:solidFill>
-                <a:effectLst/>
-                <a:latin typeface="CMBX12"/>
-              </a:rPr>
-              <a:t>RAISR </a:t>
-            </a:r>
-            <a:r>
-              <a:rPr lang="zh-CN" altLang="en-US" sz="1800" b="0">
-                <a:solidFill>
-                  <a:srgbClr val="000000"/>
-                </a:solidFill>
-                <a:effectLst/>
                 <a:latin typeface="SimSun" panose="02010600030101010101" pitchFamily="2" charset="-122"/>
                 <a:ea typeface="SimSun" panose="02010600030101010101" pitchFamily="2" charset="-122"/>
               </a:rPr>
-              <a:t>有较大的区别，这是出于对硬件设计的考量，具体的设计细节会在下一节和 </a:t>
+              <a:t>；</a:t>
             </a:r>
-            <a:r>
-              <a:rPr lang="en-US" altLang="zh-CN" sz="1800" b="0">
-                <a:solidFill>
-                  <a:srgbClr val="000000"/>
-                </a:solidFill>
-                <a:effectLst/>
-                <a:latin typeface="CMR12"/>
-              </a:rPr>
-              <a:t>RTL</a:t>
-            </a:r>
-            <a:r>
-              <a:rPr lang="zh-CN" altLang="en-US" sz="1800" b="0">
-                <a:solidFill>
-                  <a:srgbClr val="000000"/>
-                </a:solidFill>
-                <a:effectLst/>
-                <a:latin typeface="SimSun" panose="02010600030101010101" pitchFamily="2" charset="-122"/>
-                <a:ea typeface="SimSun" panose="02010600030101010101" pitchFamily="2" charset="-122"/>
-              </a:rPr>
-              <a:t>设计文档中详细解释。</a:t>
-            </a:r>
-            <a:endParaRPr lang="en-US" altLang="zh-CN" sz="1800" b="0">
+            <a:endParaRPr lang="en-US" altLang="zh-CN" sz="1800" b="0" dirty="0">
               <a:solidFill>
                 <a:srgbClr val="000000"/>
               </a:solidFill>
@@ -44524,30 +44540,15 @@
             </a:endParaRPr>
           </a:p>
           <a:p>
-            <a:pPr fontAlgn="ctr"/>
-            <a:endParaRPr lang="en-US" altLang="zh-CN" sz="1800" b="0" i="0">
-              <a:solidFill>
-                <a:srgbClr val="000000"/>
-              </a:solidFill>
-              <a:effectLst/>
-              <a:latin typeface="SimSun" panose="02010600030101010101" pitchFamily="2" charset="-122"/>
-              <a:ea typeface="SimSun" panose="02010600030101010101" pitchFamily="2" charset="-122"/>
-            </a:endParaRPr>
-          </a:p>
-          <a:p>
-            <a:pPr fontAlgn="ctr"/>
+            <a:pPr marL="800100" lvl="1" indent="-342900" fontAlgn="ctr">
+              <a:lnSpc>
+                <a:spcPct val="150000"/>
+              </a:lnSpc>
+              <a:buFont typeface="+mj-lt"/>
+              <a:buAutoNum type="arabicPeriod"/>
+            </a:pPr>
             <a:r>
-              <a:rPr lang="zh-CN" altLang="en-US">
-                <a:solidFill>
-                  <a:srgbClr val="000000"/>
-                </a:solidFill>
-                <a:latin typeface="SimSun" panose="02010600030101010101" pitchFamily="2" charset="-122"/>
-                <a:ea typeface="SimSun" panose="02010600030101010101" pitchFamily="2" charset="-122"/>
-              </a:rPr>
-              <a:t>三、</a:t>
-            </a:r>
-            <a:r>
-              <a:rPr lang="zh-CN" altLang="en-US" sz="1800" b="0" i="0">
+              <a:rPr lang="zh-CN" altLang="en-US" sz="1800" b="0" i="0" dirty="0">
                 <a:solidFill>
                   <a:srgbClr val="000000"/>
                 </a:solidFill>
@@ -44555,20 +44556,10 @@
                 <a:latin typeface="SimSun" panose="02010600030101010101" pitchFamily="2" charset="-122"/>
                 <a:ea typeface="SimSun" panose="02010600030101010101" pitchFamily="2" charset="-122"/>
               </a:rPr>
-              <a:t>利用上一步的得到每个图像块的类型找到对应的滤波器，作用于图像块进行卷积，得到更接近于原始 </a:t>
+              <a:t>利用步骤</a:t>
             </a:r>
             <a:r>
-              <a:rPr lang="en-US" altLang="zh-CN" sz="1800" b="0" i="0">
-                <a:solidFill>
-                  <a:srgbClr val="000000"/>
-                </a:solidFill>
-                <a:effectLst/>
-                <a:latin typeface="CMR12"/>
-              </a:rPr>
-              <a:t>HR </a:t>
-            </a:r>
-            <a:r>
-              <a:rPr lang="zh-CN" altLang="en-US" sz="1800" b="0" i="0">
+              <a:rPr lang="en-US" altLang="zh-CN" sz="1800" b="0" i="0" dirty="0">
                 <a:solidFill>
                   <a:srgbClr val="000000"/>
                 </a:solidFill>
@@ -44576,20 +44567,10 @@
                 <a:latin typeface="SimSun" panose="02010600030101010101" pitchFamily="2" charset="-122"/>
                 <a:ea typeface="SimSun" panose="02010600030101010101" pitchFamily="2" charset="-122"/>
               </a:rPr>
-              <a:t>的像素，最后得到更高质量的 </a:t>
+              <a:t> 2 </a:t>
             </a:r>
             <a:r>
-              <a:rPr lang="en-US" altLang="zh-CN" sz="1800" b="0" i="0">
-                <a:solidFill>
-                  <a:srgbClr val="000000"/>
-                </a:solidFill>
-                <a:effectLst/>
-                <a:latin typeface="CMR12"/>
-              </a:rPr>
-              <a:t>SR </a:t>
-            </a:r>
-            <a:r>
-              <a:rPr lang="zh-CN" altLang="en-US" sz="1800" b="0" i="0">
+              <a:rPr lang="zh-CN" altLang="en-US" sz="1800" b="0" i="0" dirty="0">
                 <a:solidFill>
                   <a:srgbClr val="000000"/>
                 </a:solidFill>
@@ -44597,17 +44578,7 @@
                 <a:latin typeface="SimSun" panose="02010600030101010101" pitchFamily="2" charset="-122"/>
                 <a:ea typeface="SimSun" panose="02010600030101010101" pitchFamily="2" charset="-122"/>
               </a:rPr>
-              <a:t>图像。</a:t>
-            </a:r>
-            <a:r>
-              <a:rPr lang="zh-CN" altLang="en-US" sz="2100">
-                <a:solidFill>
-                  <a:schemeClr val="bg1"/>
-                </a:solidFill>
-                <a:latin typeface="黑体" panose="02010609060101010101" pitchFamily="49" charset="-122"/>
-                <a:ea typeface="黑体" panose="02010609060101010101" pitchFamily="49" charset="-122"/>
-              </a:rPr>
-              <a:t>架构</a:t>
+              <a:t>得到图像块的类型找到对应的滤波器，作用于图像块进行卷积</a:t>
             </a:r>
             <a:endParaRPr lang="zh-CN" altLang="en-US" sz="2100" dirty="0">
               <a:solidFill>
@@ -44746,12 +44717,28 @@
           <a:p>
             <a:pPr algn="ctr"/>
             <a:r>
-              <a:rPr lang="zh-CN" altLang="en-US" sz="2000">
+              <a:rPr lang="zh-CN" altLang="en-US" sz="2000" dirty="0">
                 <a:solidFill>
                   <a:schemeClr val="tx1"/>
                 </a:solidFill>
               </a:rPr>
-              <a:t>基于纹理分类的锐化增强</a:t>
+              <a:t>机器学习</a:t>
+            </a:r>
+            <a:endParaRPr lang="en-US" altLang="zh-CN" sz="2000" dirty="0">
+              <a:solidFill>
+                <a:schemeClr val="tx1"/>
+              </a:solidFill>
+            </a:endParaRPr>
+          </a:p>
+          <a:p>
+            <a:pPr algn="ctr"/>
+            <a:r>
+              <a:rPr lang="zh-CN" altLang="en-US" sz="2000" dirty="0">
+                <a:solidFill>
+                  <a:schemeClr val="tx1"/>
+                </a:solidFill>
+              </a:rPr>
+              <a:t>图像增强</a:t>
             </a:r>
           </a:p>
         </p:txBody>
@@ -50275,6 +50262,112 @@
           </p:txBody>
         </p:sp>
       </p:grpSp>
+      <p:pic>
+        <p:nvPicPr>
+          <p:cNvPr id="5" name="图片 4">
+            <a:extLst>
+              <a:ext uri="{FF2B5EF4-FFF2-40B4-BE49-F238E27FC236}">
+                <a16:creationId xmlns:a16="http://schemas.microsoft.com/office/drawing/2014/main" id="{529463DB-45B8-4341-97AE-96A9C2DD30E5}"/>
+              </a:ext>
+            </a:extLst>
+          </p:cNvPr>
+          <p:cNvPicPr>
+            <a:picLocks noChangeAspect="1"/>
+          </p:cNvPicPr>
+          <p:nvPr/>
+        </p:nvPicPr>
+        <p:blipFill>
+          <a:blip r:embed="rId6"/>
+          <a:stretch>
+            <a:fillRect/>
+          </a:stretch>
+        </p:blipFill>
+        <p:spPr>
+          <a:xfrm>
+            <a:off x="3986053" y="1422465"/>
+            <a:ext cx="5458587" cy="1638529"/>
+          </a:xfrm>
+          <a:prstGeom prst="rect">
+            <a:avLst/>
+          </a:prstGeom>
+        </p:spPr>
+      </p:pic>
+      <p:pic>
+        <p:nvPicPr>
+          <p:cNvPr id="7" name="图片 6">
+            <a:extLst>
+              <a:ext uri="{FF2B5EF4-FFF2-40B4-BE49-F238E27FC236}">
+                <a16:creationId xmlns:a16="http://schemas.microsoft.com/office/drawing/2014/main" id="{206D7D79-2342-4E29-B4B9-ECB7DA105665}"/>
+              </a:ext>
+            </a:extLst>
+          </p:cNvPr>
+          <p:cNvPicPr>
+            <a:picLocks noChangeAspect="1"/>
+          </p:cNvPicPr>
+          <p:nvPr/>
+        </p:nvPicPr>
+        <p:blipFill>
+          <a:blip r:embed="rId7"/>
+          <a:stretch>
+            <a:fillRect/>
+          </a:stretch>
+        </p:blipFill>
+        <p:spPr>
+          <a:xfrm>
+            <a:off x="4282939" y="3552111"/>
+            <a:ext cx="6735115" cy="1667108"/>
+          </a:xfrm>
+          <a:prstGeom prst="rect">
+            <a:avLst/>
+          </a:prstGeom>
+        </p:spPr>
+      </p:pic>
+      <p:sp>
+        <p:nvSpPr>
+          <p:cNvPr id="8" name="箭头: 下 7">
+            <a:extLst>
+              <a:ext uri="{FF2B5EF4-FFF2-40B4-BE49-F238E27FC236}">
+                <a16:creationId xmlns:a16="http://schemas.microsoft.com/office/drawing/2014/main" id="{33FF5519-724B-47FC-B0AE-242D22F28128}"/>
+              </a:ext>
+            </a:extLst>
+          </p:cNvPr>
+          <p:cNvSpPr/>
+          <p:nvPr/>
+        </p:nvSpPr>
+        <p:spPr>
+          <a:xfrm>
+            <a:off x="6600224" y="3030029"/>
+            <a:ext cx="230244" cy="581065"/>
+          </a:xfrm>
+          <a:prstGeom prst="downArrow">
+            <a:avLst/>
+          </a:prstGeom>
+        </p:spPr>
+        <p:style>
+          <a:lnRef idx="2">
+            <a:schemeClr val="accent1">
+              <a:shade val="50000"/>
+            </a:schemeClr>
+          </a:lnRef>
+          <a:fillRef idx="1">
+            <a:schemeClr val="accent1"/>
+          </a:fillRef>
+          <a:effectRef idx="0">
+            <a:schemeClr val="accent1"/>
+          </a:effectRef>
+          <a:fontRef idx="minor">
+            <a:schemeClr val="lt1"/>
+          </a:fontRef>
+        </p:style>
+        <p:txBody>
+          <a:bodyPr rtlCol="0" anchor="ctr"/>
+          <a:lstStyle/>
+          <a:p>
+            <a:pPr algn="ctr"/>
+            <a:endParaRPr lang="en-US"/>
+          </a:p>
+        </p:txBody>
+      </p:sp>
     </p:spTree>
     <p:custDataLst>
       <p:tags r:id="rId1"/>
